--- a/figures.pptx
+++ b/figures.pptx
@@ -5,7 +5,8 @@
     <p:sldMasterId id="2147483648" r:id="rId1"/>
   </p:sldMasterIdLst>
   <p:sldIdLst>
-    <p:sldId id="257" r:id="rId2"/>
+    <p:sldId id="258" r:id="rId2"/>
+    <p:sldId id="257" r:id="rId3"/>
   </p:sldIdLst>
   <p:sldSz cx="9144000" cy="6858000" type="screen4x3"/>
   <p:notesSz cx="6858000" cy="9144000"/>
@@ -288,7 +289,7 @@
           <a:p>
             <a:fld id="{BA21A3B0-830E-41B5-A756-E708A3B007AB}" type="datetimeFigureOut">
               <a:rPr lang="en-US" smtClean="0"/>
-              <a:t>5/10/2015</a:t>
+              <a:t>5/11/2015</a:t>
             </a:fld>
             <a:endParaRPr lang="en-US"/>
           </a:p>
@@ -458,7 +459,7 @@
           <a:p>
             <a:fld id="{BA21A3B0-830E-41B5-A756-E708A3B007AB}" type="datetimeFigureOut">
               <a:rPr lang="en-US" smtClean="0"/>
-              <a:t>5/10/2015</a:t>
+              <a:t>5/11/2015</a:t>
             </a:fld>
             <a:endParaRPr lang="en-US"/>
           </a:p>
@@ -638,7 +639,7 @@
           <a:p>
             <a:fld id="{BA21A3B0-830E-41B5-A756-E708A3B007AB}" type="datetimeFigureOut">
               <a:rPr lang="en-US" smtClean="0"/>
-              <a:t>5/10/2015</a:t>
+              <a:t>5/11/2015</a:t>
             </a:fld>
             <a:endParaRPr lang="en-US"/>
           </a:p>
@@ -808,7 +809,7 @@
           <a:p>
             <a:fld id="{BA21A3B0-830E-41B5-A756-E708A3B007AB}" type="datetimeFigureOut">
               <a:rPr lang="en-US" smtClean="0"/>
-              <a:t>5/10/2015</a:t>
+              <a:t>5/11/2015</a:t>
             </a:fld>
             <a:endParaRPr lang="en-US"/>
           </a:p>
@@ -1054,7 +1055,7 @@
           <a:p>
             <a:fld id="{BA21A3B0-830E-41B5-A756-E708A3B007AB}" type="datetimeFigureOut">
               <a:rPr lang="en-US" smtClean="0"/>
-              <a:t>5/10/2015</a:t>
+              <a:t>5/11/2015</a:t>
             </a:fld>
             <a:endParaRPr lang="en-US"/>
           </a:p>
@@ -1342,7 +1343,7 @@
           <a:p>
             <a:fld id="{BA21A3B0-830E-41B5-A756-E708A3B007AB}" type="datetimeFigureOut">
               <a:rPr lang="en-US" smtClean="0"/>
-              <a:t>5/10/2015</a:t>
+              <a:t>5/11/2015</a:t>
             </a:fld>
             <a:endParaRPr lang="en-US"/>
           </a:p>
@@ -1764,7 +1765,7 @@
           <a:p>
             <a:fld id="{BA21A3B0-830E-41B5-A756-E708A3B007AB}" type="datetimeFigureOut">
               <a:rPr lang="en-US" smtClean="0"/>
-              <a:t>5/10/2015</a:t>
+              <a:t>5/11/2015</a:t>
             </a:fld>
             <a:endParaRPr lang="en-US"/>
           </a:p>
@@ -1882,7 +1883,7 @@
           <a:p>
             <a:fld id="{BA21A3B0-830E-41B5-A756-E708A3B007AB}" type="datetimeFigureOut">
               <a:rPr lang="en-US" smtClean="0"/>
-              <a:t>5/10/2015</a:t>
+              <a:t>5/11/2015</a:t>
             </a:fld>
             <a:endParaRPr lang="en-US"/>
           </a:p>
@@ -1977,7 +1978,7 @@
           <a:p>
             <a:fld id="{BA21A3B0-830E-41B5-A756-E708A3B007AB}" type="datetimeFigureOut">
               <a:rPr lang="en-US" smtClean="0"/>
-              <a:t>5/10/2015</a:t>
+              <a:t>5/11/2015</a:t>
             </a:fld>
             <a:endParaRPr lang="en-US"/>
           </a:p>
@@ -2254,7 +2255,7 @@
           <a:p>
             <a:fld id="{BA21A3B0-830E-41B5-A756-E708A3B007AB}" type="datetimeFigureOut">
               <a:rPr lang="en-US" smtClean="0"/>
-              <a:t>5/10/2015</a:t>
+              <a:t>5/11/2015</a:t>
             </a:fld>
             <a:endParaRPr lang="en-US"/>
           </a:p>
@@ -2507,7 +2508,7 @@
           <a:p>
             <a:fld id="{BA21A3B0-830E-41B5-A756-E708A3B007AB}" type="datetimeFigureOut">
               <a:rPr lang="en-US" smtClean="0"/>
-              <a:t>5/10/2015</a:t>
+              <a:t>5/11/2015</a:t>
             </a:fld>
             <a:endParaRPr lang="en-US"/>
           </a:p>
@@ -2720,7 +2721,7 @@
           <a:p>
             <a:fld id="{BA21A3B0-830E-41B5-A756-E708A3B007AB}" type="datetimeFigureOut">
               <a:rPr lang="en-US" smtClean="0"/>
-              <a:t>5/10/2015</a:t>
+              <a:t>5/11/2015</a:t>
             </a:fld>
             <a:endParaRPr lang="en-US"/>
           </a:p>
@@ -3095,6 +3096,336 @@
           <a:chExt cx="0" cy="0"/>
         </a:xfrm>
       </p:grpSpPr>
+      <p:sp>
+        <p:nvSpPr>
+          <p:cNvPr id="2" name="Double Bracket 1"/>
+          <p:cNvSpPr/>
+          <p:nvPr/>
+        </p:nvSpPr>
+        <p:spPr>
+          <a:xfrm>
+            <a:off x="2895600" y="1600200"/>
+            <a:ext cx="1600200" cy="1371600"/>
+          </a:xfrm>
+          <a:prstGeom prst="bracketPair">
+            <a:avLst>
+              <a:gd name="adj" fmla="val 5798"/>
+            </a:avLst>
+          </a:prstGeom>
+        </p:spPr>
+        <p:style>
+          <a:lnRef idx="1">
+            <a:schemeClr val="accent1"/>
+          </a:lnRef>
+          <a:fillRef idx="0">
+            <a:schemeClr val="accent1"/>
+          </a:fillRef>
+          <a:effectRef idx="0">
+            <a:schemeClr val="accent1"/>
+          </a:effectRef>
+          <a:fontRef idx="minor">
+            <a:schemeClr val="tx1"/>
+          </a:fontRef>
+        </p:style>
+        <p:txBody>
+          <a:bodyPr rtlCol="0" anchor="ctr"/>
+          <a:lstStyle/>
+          <a:p>
+            <a:pPr algn="ctr"/>
+            <a:endParaRPr lang="en-US"/>
+          </a:p>
+        </p:txBody>
+      </p:sp>
+      <mc:AlternateContent xmlns:mc="http://schemas.openxmlformats.org/markup-compatibility/2006">
+        <mc:Choice xmlns:a14="http://schemas.microsoft.com/office/drawing/2010/main" Requires="a14">
+          <p:sp>
+            <p:nvSpPr>
+              <p:cNvPr id="3" name="TextBox 2"/>
+              <p:cNvSpPr txBox="1"/>
+              <p:nvPr/>
+            </p:nvSpPr>
+            <p:spPr>
+              <a:xfrm>
+                <a:off x="1802769" y="2147500"/>
+                <a:ext cx="1163652" cy="307777"/>
+              </a:xfrm>
+              <a:prstGeom prst="rect">
+                <a:avLst/>
+              </a:prstGeom>
+              <a:noFill/>
+            </p:spPr>
+            <p:txBody>
+              <a:bodyPr wrap="none" rtlCol="0">
+                <a:spAutoFit/>
+              </a:bodyPr>
+              <a:lstStyle/>
+              <a:p>
+                <a:pPr algn="ctr"/>
+                <a14:m>
+                  <m:oMath xmlns:m="http://schemas.openxmlformats.org/officeDocument/2006/math">
+                    <m:r>
+                      <a:rPr lang="en-US" sz="1400" b="0" i="1" smtClean="0">
+                        <a:latin typeface="Cambria Math"/>
+                      </a:rPr>
+                      <m:t>𝑁</m:t>
+                    </m:r>
+                  </m:oMath>
+                </a14:m>
+                <a:r>
+                  <a:rPr lang="ja-JP" altLang="en-US" sz="1400" dirty="0" smtClean="0"/>
+                  <a:t>個のデータ</a:t>
+                </a:r>
+                <a:endParaRPr lang="en-US" sz="1400" dirty="0"/>
+              </a:p>
+            </p:txBody>
+          </p:sp>
+        </mc:Choice>
+        <mc:Fallback>
+          <p:sp>
+            <p:nvSpPr>
+              <p:cNvPr id="3" name="TextBox 2"/>
+              <p:cNvSpPr txBox="1">
+                <a:spLocks noRot="1" noChangeAspect="1" noMove="1" noResize="1" noEditPoints="1" noAdjustHandles="1" noChangeArrowheads="1" noChangeShapeType="1" noTextEdit="1"/>
+              </p:cNvSpPr>
+              <p:nvPr/>
+            </p:nvSpPr>
+            <p:spPr>
+              <a:xfrm>
+                <a:off x="1802769" y="2147500"/>
+                <a:ext cx="1163652" cy="307777"/>
+              </a:xfrm>
+              <a:prstGeom prst="rect">
+                <a:avLst/>
+              </a:prstGeom>
+              <a:blipFill rotWithShape="1">
+                <a:blip r:embed="rId2"/>
+                <a:stretch>
+                  <a:fillRect t="-5882" r="-524" b="-13725"/>
+                </a:stretch>
+              </a:blipFill>
+            </p:spPr>
+            <p:txBody>
+              <a:bodyPr/>
+              <a:lstStyle/>
+              <a:p>
+                <a:r>
+                  <a:rPr lang="en-US">
+                    <a:noFill/>
+                  </a:rPr>
+                  <a:t> </a:t>
+                </a:r>
+              </a:p>
+            </p:txBody>
+          </p:sp>
+        </mc:Fallback>
+      </mc:AlternateContent>
+      <mc:AlternateContent xmlns:mc="http://schemas.openxmlformats.org/markup-compatibility/2006">
+        <mc:Choice xmlns:a14="http://schemas.microsoft.com/office/drawing/2010/main" Requires="a14">
+          <p:sp>
+            <p:nvSpPr>
+              <p:cNvPr id="4" name="TextBox 3"/>
+              <p:cNvSpPr txBox="1"/>
+              <p:nvPr/>
+            </p:nvSpPr>
+            <p:spPr>
+              <a:xfrm>
+                <a:off x="3358684" y="1219200"/>
+                <a:ext cx="674031" cy="307777"/>
+              </a:xfrm>
+              <a:prstGeom prst="rect">
+                <a:avLst/>
+              </a:prstGeom>
+              <a:noFill/>
+            </p:spPr>
+            <p:txBody>
+              <a:bodyPr wrap="none" rtlCol="0">
+                <a:spAutoFit/>
+              </a:bodyPr>
+              <a:lstStyle/>
+              <a:p>
+                <a:pPr algn="ctr"/>
+                <a14:m>
+                  <m:oMath xmlns:m="http://schemas.openxmlformats.org/officeDocument/2006/math">
+                    <m:r>
+                      <a:rPr lang="en-US" altLang="ja-JP" sz="1400" b="0" i="1" smtClean="0">
+                        <a:latin typeface="Cambria Math"/>
+                      </a:rPr>
+                      <m:t>𝐷</m:t>
+                    </m:r>
+                  </m:oMath>
+                </a14:m>
+                <a:r>
+                  <a:rPr lang="ja-JP" altLang="en-US" sz="1400" dirty="0"/>
+                  <a:t>次</a:t>
+                </a:r>
+                <a:r>
+                  <a:rPr lang="ja-JP" altLang="en-US" sz="1400" dirty="0" smtClean="0"/>
+                  <a:t>元</a:t>
+                </a:r>
+                <a:endParaRPr lang="en-US" sz="1400" dirty="0"/>
+              </a:p>
+            </p:txBody>
+          </p:sp>
+        </mc:Choice>
+        <mc:Fallback>
+          <p:sp>
+            <p:nvSpPr>
+              <p:cNvPr id="4" name="TextBox 3"/>
+              <p:cNvSpPr txBox="1">
+                <a:spLocks noRot="1" noChangeAspect="1" noMove="1" noResize="1" noEditPoints="1" noAdjustHandles="1" noChangeArrowheads="1" noChangeShapeType="1" noTextEdit="1"/>
+              </p:cNvSpPr>
+              <p:nvPr/>
+            </p:nvSpPr>
+            <p:spPr>
+              <a:xfrm>
+                <a:off x="3358684" y="1219200"/>
+                <a:ext cx="674031" cy="307777"/>
+              </a:xfrm>
+              <a:prstGeom prst="rect">
+                <a:avLst/>
+              </a:prstGeom>
+              <a:blipFill rotWithShape="1">
+                <a:blip r:embed="rId3"/>
+                <a:stretch>
+                  <a:fillRect t="-6000" r="-1802" b="-16000"/>
+                </a:stretch>
+              </a:blipFill>
+            </p:spPr>
+            <p:txBody>
+              <a:bodyPr/>
+              <a:lstStyle/>
+              <a:p>
+                <a:r>
+                  <a:rPr lang="en-US">
+                    <a:noFill/>
+                  </a:rPr>
+                  <a:t> </a:t>
+                </a:r>
+              </a:p>
+            </p:txBody>
+          </p:sp>
+        </mc:Fallback>
+      </mc:AlternateContent>
+      <mc:AlternateContent xmlns:mc="http://schemas.openxmlformats.org/markup-compatibility/2006">
+        <mc:Choice xmlns:a14="http://schemas.microsoft.com/office/drawing/2010/main" Requires="a14">
+          <p:sp>
+            <p:nvSpPr>
+              <p:cNvPr id="5" name="TextBox 4"/>
+              <p:cNvSpPr txBox="1"/>
+              <p:nvPr/>
+            </p:nvSpPr>
+            <p:spPr>
+              <a:xfrm>
+                <a:off x="3442682" y="2024390"/>
+                <a:ext cx="506036" cy="523220"/>
+              </a:xfrm>
+              <a:prstGeom prst="rect">
+                <a:avLst/>
+              </a:prstGeom>
+              <a:noFill/>
+            </p:spPr>
+            <p:txBody>
+              <a:bodyPr wrap="none" rtlCol="0">
+                <a:spAutoFit/>
+              </a:bodyPr>
+              <a:lstStyle/>
+              <a:p>
+                <a14:m>
+                  <m:oMathPara xmlns:m="http://schemas.openxmlformats.org/officeDocument/2006/math">
+                    <m:oMathParaPr>
+                      <m:jc m:val="centerGroup"/>
+                    </m:oMathParaPr>
+                    <m:oMath xmlns:m="http://schemas.openxmlformats.org/officeDocument/2006/math">
+                      <m:r>
+                        <a:rPr lang="en-US" sz="2800" b="0" i="1" smtClean="0">
+                          <a:latin typeface="Cambria Math"/>
+                        </a:rPr>
+                        <m:t>𝑋</m:t>
+                      </m:r>
+                    </m:oMath>
+                  </m:oMathPara>
+                </a14:m>
+                <a:endParaRPr lang="en-US" sz="2800" dirty="0"/>
+              </a:p>
+            </p:txBody>
+          </p:sp>
+        </mc:Choice>
+        <mc:Fallback>
+          <p:sp>
+            <p:nvSpPr>
+              <p:cNvPr id="5" name="TextBox 4"/>
+              <p:cNvSpPr txBox="1">
+                <a:spLocks noRot="1" noChangeAspect="1" noMove="1" noResize="1" noEditPoints="1" noAdjustHandles="1" noChangeArrowheads="1" noChangeShapeType="1" noTextEdit="1"/>
+              </p:cNvSpPr>
+              <p:nvPr/>
+            </p:nvSpPr>
+            <p:spPr>
+              <a:xfrm>
+                <a:off x="3442682" y="2024390"/>
+                <a:ext cx="506036" cy="523220"/>
+              </a:xfrm>
+              <a:prstGeom prst="rect">
+                <a:avLst/>
+              </a:prstGeom>
+              <a:blipFill rotWithShape="1">
+                <a:blip r:embed="rId4"/>
+                <a:stretch>
+                  <a:fillRect/>
+                </a:stretch>
+              </a:blipFill>
+            </p:spPr>
+            <p:txBody>
+              <a:bodyPr/>
+              <a:lstStyle/>
+              <a:p>
+                <a:r>
+                  <a:rPr lang="en-US">
+                    <a:noFill/>
+                  </a:rPr>
+                  <a:t> </a:t>
+                </a:r>
+              </a:p>
+            </p:txBody>
+          </p:sp>
+        </mc:Fallback>
+      </mc:AlternateContent>
+    </p:spTree>
+    <p:extLst>
+      <p:ext uri="{BB962C8B-B14F-4D97-AF65-F5344CB8AC3E}">
+        <p14:creationId xmlns:p14="http://schemas.microsoft.com/office/powerpoint/2010/main" val="1067877397"/>
+      </p:ext>
+    </p:extLst>
+  </p:cSld>
+  <p:clrMapOvr>
+    <a:masterClrMapping/>
+  </p:clrMapOvr>
+  <p:timing>
+    <p:tnLst>
+      <p:par>
+        <p:cTn id="1" dur="indefinite" restart="never" nodeType="tmRoot"/>
+      </p:par>
+    </p:tnLst>
+  </p:timing>
+</p:sld>
+</file>
+
+<file path=ppt/slides/slide2.xml><?xml version="1.0" encoding="utf-8"?>
+<p:sld xmlns:a="http://schemas.openxmlformats.org/drawingml/2006/main" xmlns:r="http://schemas.openxmlformats.org/officeDocument/2006/relationships" xmlns:p="http://schemas.openxmlformats.org/presentationml/2006/main">
+  <p:cSld>
+    <p:spTree>
+      <p:nvGrpSpPr>
+        <p:cNvPr id="1" name=""/>
+        <p:cNvGrpSpPr/>
+        <p:nvPr/>
+      </p:nvGrpSpPr>
+      <p:grpSpPr>
+        <a:xfrm>
+          <a:off x="0" y="0"/>
+          <a:ext cx="0" cy="0"/>
+          <a:chOff x="0" y="0"/>
+          <a:chExt cx="0" cy="0"/>
+        </a:xfrm>
+      </p:grpSpPr>
       <p:cxnSp>
         <p:nvCxnSpPr>
           <p:cNvPr id="3" name="Straight Arrow Connector 2"/>
@@ -3245,8 +3576,8 @@
           </a:fontRef>
         </p:style>
       </p:cxnSp>
-      <mc:AlternateContent xmlns:mc="http://schemas.openxmlformats.org/markup-compatibility/2006">
-        <mc:Choice xmlns:a14="http://schemas.microsoft.com/office/drawing/2010/main" Requires="a14">
+      <mc:AlternateContent xmlns:mc="http://schemas.openxmlformats.org/markup-compatibility/2006" xmlns:a14="http://schemas.microsoft.com/office/drawing/2010/main">
+        <mc:Choice Requires="a14">
           <p:sp>
             <p:nvSpPr>
               <p:cNvPr id="9" name="TextBox 8"/>
@@ -3304,7 +3635,7 @@
             </p:txBody>
           </p:sp>
         </mc:Choice>
-        <mc:Fallback>
+        <mc:Fallback xmlns="">
           <p:sp>
             <p:nvSpPr>
               <p:cNvPr id="9" name="TextBox 8"/>
@@ -3561,8 +3892,8 @@
           </a:p>
         </p:txBody>
       </p:sp>
-      <mc:AlternateContent xmlns:mc="http://schemas.openxmlformats.org/markup-compatibility/2006">
-        <mc:Choice xmlns:a14="http://schemas.microsoft.com/office/drawing/2010/main" Requires="a14">
+      <mc:AlternateContent xmlns:mc="http://schemas.openxmlformats.org/markup-compatibility/2006" xmlns:a14="http://schemas.microsoft.com/office/drawing/2010/main">
+        <mc:Choice Requires="a14">
           <p:sp>
             <p:nvSpPr>
               <p:cNvPr id="17" name="TextBox 16"/>
@@ -3585,6 +3916,7 @@
               </a:bodyPr>
               <a:lstStyle/>
               <a:p>
+                <a:pPr/>
                 <a14:m>
                   <m:oMathPara xmlns:m="http://schemas.openxmlformats.org/officeDocument/2006/math">
                     <m:oMathParaPr>
@@ -3624,7 +3956,7 @@
             </p:txBody>
           </p:sp>
         </mc:Choice>
-        <mc:Fallback>
+        <mc:Fallback xmlns="">
           <p:sp>
             <p:nvSpPr>
               <p:cNvPr id="17" name="TextBox 16"/>
@@ -3663,8 +3995,8 @@
           </p:sp>
         </mc:Fallback>
       </mc:AlternateContent>
-      <mc:AlternateContent xmlns:mc="http://schemas.openxmlformats.org/markup-compatibility/2006">
-        <mc:Choice xmlns:a14="http://schemas.microsoft.com/office/drawing/2010/main" Requires="a14">
+      <mc:AlternateContent xmlns:mc="http://schemas.openxmlformats.org/markup-compatibility/2006" xmlns:a14="http://schemas.microsoft.com/office/drawing/2010/main">
+        <mc:Choice Requires="a14">
           <p:sp>
             <p:nvSpPr>
               <p:cNvPr id="18" name="TextBox 17"/>
@@ -3687,6 +4019,7 @@
               </a:bodyPr>
               <a:lstStyle/>
               <a:p>
+                <a:pPr/>
                 <a14:m>
                   <m:oMathPara xmlns:m="http://schemas.openxmlformats.org/officeDocument/2006/math">
                     <m:oMathParaPr>
@@ -3726,7 +4059,7 @@
             </p:txBody>
           </p:sp>
         </mc:Choice>
-        <mc:Fallback>
+        <mc:Fallback xmlns="">
           <p:sp>
             <p:nvSpPr>
               <p:cNvPr id="18" name="TextBox 17"/>
@@ -3765,8 +4098,8 @@
           </p:sp>
         </mc:Fallback>
       </mc:AlternateContent>
-      <mc:AlternateContent xmlns:mc="http://schemas.openxmlformats.org/markup-compatibility/2006">
-        <mc:Choice xmlns:a14="http://schemas.microsoft.com/office/drawing/2010/main" Requires="a14">
+      <mc:AlternateContent xmlns:mc="http://schemas.openxmlformats.org/markup-compatibility/2006" xmlns:a14="http://schemas.microsoft.com/office/drawing/2010/main">
+        <mc:Choice Requires="a14">
           <p:sp>
             <p:nvSpPr>
               <p:cNvPr id="19" name="TextBox 18"/>
@@ -3789,6 +4122,7 @@
               </a:bodyPr>
               <a:lstStyle/>
               <a:p>
+                <a:pPr/>
                 <a14:m>
                   <m:oMathPara xmlns:m="http://schemas.openxmlformats.org/officeDocument/2006/math">
                     <m:oMathParaPr>
@@ -3842,7 +4176,7 @@
             </p:txBody>
           </p:sp>
         </mc:Choice>
-        <mc:Fallback>
+        <mc:Fallback xmlns="">
           <p:sp>
             <p:nvSpPr>
               <p:cNvPr id="19" name="TextBox 18"/>
@@ -3881,8 +4215,8 @@
           </p:sp>
         </mc:Fallback>
       </mc:AlternateContent>
-      <mc:AlternateContent xmlns:mc="http://schemas.openxmlformats.org/markup-compatibility/2006">
-        <mc:Choice xmlns:a14="http://schemas.microsoft.com/office/drawing/2010/main" Requires="a14">
+      <mc:AlternateContent xmlns:mc="http://schemas.openxmlformats.org/markup-compatibility/2006" xmlns:a14="http://schemas.microsoft.com/office/drawing/2010/main">
+        <mc:Choice Requires="a14">
           <p:sp>
             <p:nvSpPr>
               <p:cNvPr id="20" name="TextBox 19"/>
@@ -3905,6 +4239,7 @@
               </a:bodyPr>
               <a:lstStyle/>
               <a:p>
+                <a:pPr/>
                 <a14:m>
                   <m:oMathPara xmlns:m="http://schemas.openxmlformats.org/officeDocument/2006/math">
                     <m:oMathParaPr>
@@ -3958,7 +4293,7 @@
             </p:txBody>
           </p:sp>
         </mc:Choice>
-        <mc:Fallback>
+        <mc:Fallback xmlns="">
           <p:sp>
             <p:nvSpPr>
               <p:cNvPr id="20" name="TextBox 19"/>
@@ -4111,8 +4446,8 @@
           </a:p>
         </p:txBody>
       </p:sp>
-      <mc:AlternateContent xmlns:mc="http://schemas.openxmlformats.org/markup-compatibility/2006">
-        <mc:Choice xmlns:a14="http://schemas.microsoft.com/office/drawing/2010/main" Requires="a14">
+      <mc:AlternateContent xmlns:mc="http://schemas.openxmlformats.org/markup-compatibility/2006" xmlns:a14="http://schemas.microsoft.com/office/drawing/2010/main">
+        <mc:Choice Requires="a14">
           <p:sp>
             <p:nvSpPr>
               <p:cNvPr id="25" name="TextBox 24"/>
@@ -4170,7 +4505,7 @@
             </p:txBody>
           </p:sp>
         </mc:Choice>
-        <mc:Fallback>
+        <mc:Fallback xmlns="">
           <p:sp>
             <p:nvSpPr>
               <p:cNvPr id="25" name="TextBox 24"/>
@@ -4355,8 +4690,8 @@
           </a:p>
         </p:txBody>
       </p:sp>
-      <mc:AlternateContent xmlns:mc="http://schemas.openxmlformats.org/markup-compatibility/2006">
-        <mc:Choice xmlns:a14="http://schemas.microsoft.com/office/drawing/2010/main" Requires="a14">
+      <mc:AlternateContent xmlns:mc="http://schemas.openxmlformats.org/markup-compatibility/2006" xmlns:a14="http://schemas.microsoft.com/office/drawing/2010/main">
+        <mc:Choice Requires="a14">
           <p:sp>
             <p:nvSpPr>
               <p:cNvPr id="31" name="TextBox 30"/>
@@ -4379,6 +4714,7 @@
               </a:bodyPr>
               <a:lstStyle/>
               <a:p>
+                <a:pPr/>
                 <a14:m>
                   <m:oMathPara xmlns:m="http://schemas.openxmlformats.org/officeDocument/2006/math">
                     <m:oMathParaPr>
@@ -4418,7 +4754,7 @@
             </p:txBody>
           </p:sp>
         </mc:Choice>
-        <mc:Fallback>
+        <mc:Fallback xmlns="">
           <p:sp>
             <p:nvSpPr>
               <p:cNvPr id="31" name="TextBox 30"/>
@@ -4457,8 +4793,8 @@
           </p:sp>
         </mc:Fallback>
       </mc:AlternateContent>
-      <mc:AlternateContent xmlns:mc="http://schemas.openxmlformats.org/markup-compatibility/2006">
-        <mc:Choice xmlns:a14="http://schemas.microsoft.com/office/drawing/2010/main" Requires="a14">
+      <mc:AlternateContent xmlns:mc="http://schemas.openxmlformats.org/markup-compatibility/2006" xmlns:a14="http://schemas.microsoft.com/office/drawing/2010/main">
+        <mc:Choice Requires="a14">
           <p:sp>
             <p:nvSpPr>
               <p:cNvPr id="32" name="TextBox 31"/>
@@ -4481,6 +4817,7 @@
               </a:bodyPr>
               <a:lstStyle/>
               <a:p>
+                <a:pPr/>
                 <a14:m>
                   <m:oMathPara xmlns:m="http://schemas.openxmlformats.org/officeDocument/2006/math">
                     <m:oMathParaPr>
@@ -4520,7 +4857,7 @@
             </p:txBody>
           </p:sp>
         </mc:Choice>
-        <mc:Fallback>
+        <mc:Fallback xmlns="">
           <p:sp>
             <p:nvSpPr>
               <p:cNvPr id="32" name="TextBox 31"/>
@@ -4559,8 +4896,8 @@
           </p:sp>
         </mc:Fallback>
       </mc:AlternateContent>
-      <mc:AlternateContent xmlns:mc="http://schemas.openxmlformats.org/markup-compatibility/2006">
-        <mc:Choice xmlns:a14="http://schemas.microsoft.com/office/drawing/2010/main" Requires="a14">
+      <mc:AlternateContent xmlns:mc="http://schemas.openxmlformats.org/markup-compatibility/2006" xmlns:a14="http://schemas.microsoft.com/office/drawing/2010/main">
+        <mc:Choice Requires="a14">
           <p:sp>
             <p:nvSpPr>
               <p:cNvPr id="33" name="TextBox 32"/>
@@ -4583,6 +4920,7 @@
               </a:bodyPr>
               <a:lstStyle/>
               <a:p>
+                <a:pPr/>
                 <a14:m>
                   <m:oMathPara xmlns:m="http://schemas.openxmlformats.org/officeDocument/2006/math">
                     <m:oMathParaPr>
@@ -4636,7 +4974,7 @@
             </p:txBody>
           </p:sp>
         </mc:Choice>
-        <mc:Fallback>
+        <mc:Fallback xmlns="">
           <p:sp>
             <p:nvSpPr>
               <p:cNvPr id="33" name="TextBox 32"/>
@@ -4675,8 +5013,8 @@
           </p:sp>
         </mc:Fallback>
       </mc:AlternateContent>
-      <mc:AlternateContent xmlns:mc="http://schemas.openxmlformats.org/markup-compatibility/2006">
-        <mc:Choice xmlns:a14="http://schemas.microsoft.com/office/drawing/2010/main" Requires="a14">
+      <mc:AlternateContent xmlns:mc="http://schemas.openxmlformats.org/markup-compatibility/2006" xmlns:a14="http://schemas.microsoft.com/office/drawing/2010/main">
+        <mc:Choice Requires="a14">
           <p:sp>
             <p:nvSpPr>
               <p:cNvPr id="34" name="TextBox 33"/>
@@ -4699,6 +5037,7 @@
               </a:bodyPr>
               <a:lstStyle/>
               <a:p>
+                <a:pPr/>
                 <a14:m>
                   <m:oMathPara xmlns:m="http://schemas.openxmlformats.org/officeDocument/2006/math">
                     <m:oMathParaPr>
@@ -4752,7 +5091,7 @@
             </p:txBody>
           </p:sp>
         </mc:Choice>
-        <mc:Fallback>
+        <mc:Fallback xmlns="">
           <p:sp>
             <p:nvSpPr>
               <p:cNvPr id="34" name="TextBox 33"/>
@@ -4946,6 +5285,13 @@
   <p:clrMapOvr>
     <a:masterClrMapping/>
   </p:clrMapOvr>
+  <p:timing>
+    <p:tnLst>
+      <p:par>
+        <p:cTn id="1" dur="indefinite" restart="never" nodeType="tmRoot"/>
+      </p:par>
+    </p:tnLst>
+  </p:timing>
 </p:sld>
 </file>
 
